--- a/Research/Imaging Worksheets/Misc/Hadamard Masks 1.pptx
+++ b/Research/Imaging Worksheets/Misc/Hadamard Masks 1.pptx
@@ -243,7 +243,7 @@
           <a:bodyPr/>
           <a:lstStyle/>
           <a:p>
-            <a:fld id="{4799E126-E8BE-4518-ABA2-F78AB8BC5445}" type="datetimeFigureOut">
+            <a:fld id="{838961FD-6B51-4F9E-B499-303D7BE927C7}" type="datetimeFigureOut">
               <a:rPr lang="en-US" smtClean="0"/>
               <a:t>1/14/2016</a:t>
             </a:fld>
@@ -285,7 +285,7 @@
           <a:bodyPr/>
           <a:lstStyle/>
           <a:p>
-            <a:fld id="{4A93980F-CD9E-4DC7-8F54-94B09859CDFF}" type="slidenum">
+            <a:fld id="{77D12FD6-1D81-4F6D-9F30-37ED7C6DC31C}" type="slidenum">
               <a:rPr lang="en-US" smtClean="0"/>
               <a:t>‹#›</a:t>
             </a:fld>
@@ -296,7 +296,7 @@
     </p:spTree>
     <p:extLst>
       <p:ext uri="{BB962C8B-B14F-4D97-AF65-F5344CB8AC3E}">
-        <p14:creationId xmlns:p14="http://schemas.microsoft.com/office/powerpoint/2010/main" val="4031994797"/>
+        <p14:creationId xmlns:p14="http://schemas.microsoft.com/office/powerpoint/2010/main" val="3080619086"/>
       </p:ext>
     </p:extLst>
   </p:cSld>
@@ -364,7 +364,7 @@
             <a:pPr lvl="0"/>
             <a:r>
               <a:rPr lang="en-US" smtClean="0"/>
-              <a:t>Click to edit Master text styles</a:t>
+              <a:t>Edit Master text styles</a:t>
             </a:r>
           </a:p>
           <a:p>
@@ -413,7 +413,7 @@
           <a:bodyPr/>
           <a:lstStyle/>
           <a:p>
-            <a:fld id="{4799E126-E8BE-4518-ABA2-F78AB8BC5445}" type="datetimeFigureOut">
+            <a:fld id="{838961FD-6B51-4F9E-B499-303D7BE927C7}" type="datetimeFigureOut">
               <a:rPr lang="en-US" smtClean="0"/>
               <a:t>1/14/2016</a:t>
             </a:fld>
@@ -455,7 +455,7 @@
           <a:bodyPr/>
           <a:lstStyle/>
           <a:p>
-            <a:fld id="{4A93980F-CD9E-4DC7-8F54-94B09859CDFF}" type="slidenum">
+            <a:fld id="{77D12FD6-1D81-4F6D-9F30-37ED7C6DC31C}" type="slidenum">
               <a:rPr lang="en-US" smtClean="0"/>
               <a:t>‹#›</a:t>
             </a:fld>
@@ -466,7 +466,7 @@
     </p:spTree>
     <p:extLst>
       <p:ext uri="{BB962C8B-B14F-4D97-AF65-F5344CB8AC3E}">
-        <p14:creationId xmlns:p14="http://schemas.microsoft.com/office/powerpoint/2010/main" val="3147832647"/>
+        <p14:creationId xmlns:p14="http://schemas.microsoft.com/office/powerpoint/2010/main" val="16969734"/>
       </p:ext>
     </p:extLst>
   </p:cSld>
@@ -544,7 +544,7 @@
             <a:pPr lvl="0"/>
             <a:r>
               <a:rPr lang="en-US" smtClean="0"/>
-              <a:t>Click to edit Master text styles</a:t>
+              <a:t>Edit Master text styles</a:t>
             </a:r>
           </a:p>
           <a:p>
@@ -593,7 +593,7 @@
           <a:bodyPr/>
           <a:lstStyle/>
           <a:p>
-            <a:fld id="{4799E126-E8BE-4518-ABA2-F78AB8BC5445}" type="datetimeFigureOut">
+            <a:fld id="{838961FD-6B51-4F9E-B499-303D7BE927C7}" type="datetimeFigureOut">
               <a:rPr lang="en-US" smtClean="0"/>
               <a:t>1/14/2016</a:t>
             </a:fld>
@@ -635,7 +635,7 @@
           <a:bodyPr/>
           <a:lstStyle/>
           <a:p>
-            <a:fld id="{4A93980F-CD9E-4DC7-8F54-94B09859CDFF}" type="slidenum">
+            <a:fld id="{77D12FD6-1D81-4F6D-9F30-37ED7C6DC31C}" type="slidenum">
               <a:rPr lang="en-US" smtClean="0"/>
               <a:t>‹#›</a:t>
             </a:fld>
@@ -646,7 +646,7 @@
     </p:spTree>
     <p:extLst>
       <p:ext uri="{BB962C8B-B14F-4D97-AF65-F5344CB8AC3E}">
-        <p14:creationId xmlns:p14="http://schemas.microsoft.com/office/powerpoint/2010/main" val="1035325504"/>
+        <p14:creationId xmlns:p14="http://schemas.microsoft.com/office/powerpoint/2010/main" val="4227959784"/>
       </p:ext>
     </p:extLst>
   </p:cSld>
@@ -714,7 +714,7 @@
             <a:pPr lvl="0"/>
             <a:r>
               <a:rPr lang="en-US" smtClean="0"/>
-              <a:t>Click to edit Master text styles</a:t>
+              <a:t>Edit Master text styles</a:t>
             </a:r>
           </a:p>
           <a:p>
@@ -763,7 +763,7 @@
           <a:bodyPr/>
           <a:lstStyle/>
           <a:p>
-            <a:fld id="{4799E126-E8BE-4518-ABA2-F78AB8BC5445}" type="datetimeFigureOut">
+            <a:fld id="{838961FD-6B51-4F9E-B499-303D7BE927C7}" type="datetimeFigureOut">
               <a:rPr lang="en-US" smtClean="0"/>
               <a:t>1/14/2016</a:t>
             </a:fld>
@@ -805,7 +805,7 @@
           <a:bodyPr/>
           <a:lstStyle/>
           <a:p>
-            <a:fld id="{4A93980F-CD9E-4DC7-8F54-94B09859CDFF}" type="slidenum">
+            <a:fld id="{77D12FD6-1D81-4F6D-9F30-37ED7C6DC31C}" type="slidenum">
               <a:rPr lang="en-US" smtClean="0"/>
               <a:t>‹#›</a:t>
             </a:fld>
@@ -816,7 +816,7 @@
     </p:spTree>
     <p:extLst>
       <p:ext uri="{BB962C8B-B14F-4D97-AF65-F5344CB8AC3E}">
-        <p14:creationId xmlns:p14="http://schemas.microsoft.com/office/powerpoint/2010/main" val="2814195454"/>
+        <p14:creationId xmlns:p14="http://schemas.microsoft.com/office/powerpoint/2010/main" val="3260183964"/>
       </p:ext>
     </p:extLst>
   </p:cSld>
@@ -989,7 +989,7 @@
             <a:pPr lvl="0"/>
             <a:r>
               <a:rPr lang="en-US" smtClean="0"/>
-              <a:t>Click to edit Master text styles</a:t>
+              <a:t>Edit Master text styles</a:t>
             </a:r>
           </a:p>
         </p:txBody>
@@ -1009,7 +1009,7 @@
           <a:bodyPr/>
           <a:lstStyle/>
           <a:p>
-            <a:fld id="{4799E126-E8BE-4518-ABA2-F78AB8BC5445}" type="datetimeFigureOut">
+            <a:fld id="{838961FD-6B51-4F9E-B499-303D7BE927C7}" type="datetimeFigureOut">
               <a:rPr lang="en-US" smtClean="0"/>
               <a:t>1/14/2016</a:t>
             </a:fld>
@@ -1051,7 +1051,7 @@
           <a:bodyPr/>
           <a:lstStyle/>
           <a:p>
-            <a:fld id="{4A93980F-CD9E-4DC7-8F54-94B09859CDFF}" type="slidenum">
+            <a:fld id="{77D12FD6-1D81-4F6D-9F30-37ED7C6DC31C}" type="slidenum">
               <a:rPr lang="en-US" smtClean="0"/>
               <a:t>‹#›</a:t>
             </a:fld>
@@ -1062,7 +1062,7 @@
     </p:spTree>
     <p:extLst>
       <p:ext uri="{BB962C8B-B14F-4D97-AF65-F5344CB8AC3E}">
-        <p14:creationId xmlns:p14="http://schemas.microsoft.com/office/powerpoint/2010/main" val="559097185"/>
+        <p14:creationId xmlns:p14="http://schemas.microsoft.com/office/powerpoint/2010/main" val="670291190"/>
       </p:ext>
     </p:extLst>
   </p:cSld>
@@ -1135,7 +1135,7 @@
             <a:pPr lvl="0"/>
             <a:r>
               <a:rPr lang="en-US" smtClean="0"/>
-              <a:t>Click to edit Master text styles</a:t>
+              <a:t>Edit Master text styles</a:t>
             </a:r>
           </a:p>
           <a:p>
@@ -1192,7 +1192,7 @@
             <a:pPr lvl="0"/>
             <a:r>
               <a:rPr lang="en-US" smtClean="0"/>
-              <a:t>Click to edit Master text styles</a:t>
+              <a:t>Edit Master text styles</a:t>
             </a:r>
           </a:p>
           <a:p>
@@ -1241,7 +1241,7 @@
           <a:bodyPr/>
           <a:lstStyle/>
           <a:p>
-            <a:fld id="{4799E126-E8BE-4518-ABA2-F78AB8BC5445}" type="datetimeFigureOut">
+            <a:fld id="{838961FD-6B51-4F9E-B499-303D7BE927C7}" type="datetimeFigureOut">
               <a:rPr lang="en-US" smtClean="0"/>
               <a:t>1/14/2016</a:t>
             </a:fld>
@@ -1283,7 +1283,7 @@
           <a:bodyPr/>
           <a:lstStyle/>
           <a:p>
-            <a:fld id="{4A93980F-CD9E-4DC7-8F54-94B09859CDFF}" type="slidenum">
+            <a:fld id="{77D12FD6-1D81-4F6D-9F30-37ED7C6DC31C}" type="slidenum">
               <a:rPr lang="en-US" smtClean="0"/>
               <a:t>‹#›</a:t>
             </a:fld>
@@ -1294,7 +1294,7 @@
     </p:spTree>
     <p:extLst>
       <p:ext uri="{BB962C8B-B14F-4D97-AF65-F5344CB8AC3E}">
-        <p14:creationId xmlns:p14="http://schemas.microsoft.com/office/powerpoint/2010/main" val="1918148739"/>
+        <p14:creationId xmlns:p14="http://schemas.microsoft.com/office/powerpoint/2010/main" val="725642565"/>
       </p:ext>
     </p:extLst>
   </p:cSld>
@@ -1409,7 +1409,7 @@
             <a:pPr lvl="0"/>
             <a:r>
               <a:rPr lang="en-US" smtClean="0"/>
-              <a:t>Click to edit Master text styles</a:t>
+              <a:t>Edit Master text styles</a:t>
             </a:r>
           </a:p>
         </p:txBody>
@@ -1437,7 +1437,7 @@
             <a:pPr lvl="0"/>
             <a:r>
               <a:rPr lang="en-US" smtClean="0"/>
-              <a:t>Click to edit Master text styles</a:t>
+              <a:t>Edit Master text styles</a:t>
             </a:r>
           </a:p>
           <a:p>
@@ -1531,7 +1531,7 @@
             <a:pPr lvl="0"/>
             <a:r>
               <a:rPr lang="en-US" smtClean="0"/>
-              <a:t>Click to edit Master text styles</a:t>
+              <a:t>Edit Master text styles</a:t>
             </a:r>
           </a:p>
         </p:txBody>
@@ -1559,7 +1559,7 @@
             <a:pPr lvl="0"/>
             <a:r>
               <a:rPr lang="en-US" smtClean="0"/>
-              <a:t>Click to edit Master text styles</a:t>
+              <a:t>Edit Master text styles</a:t>
             </a:r>
           </a:p>
           <a:p>
@@ -1608,7 +1608,7 @@
           <a:bodyPr/>
           <a:lstStyle/>
           <a:p>
-            <a:fld id="{4799E126-E8BE-4518-ABA2-F78AB8BC5445}" type="datetimeFigureOut">
+            <a:fld id="{838961FD-6B51-4F9E-B499-303D7BE927C7}" type="datetimeFigureOut">
               <a:rPr lang="en-US" smtClean="0"/>
               <a:t>1/14/2016</a:t>
             </a:fld>
@@ -1650,7 +1650,7 @@
           <a:bodyPr/>
           <a:lstStyle/>
           <a:p>
-            <a:fld id="{4A93980F-CD9E-4DC7-8F54-94B09859CDFF}" type="slidenum">
+            <a:fld id="{77D12FD6-1D81-4F6D-9F30-37ED7C6DC31C}" type="slidenum">
               <a:rPr lang="en-US" smtClean="0"/>
               <a:t>‹#›</a:t>
             </a:fld>
@@ -1661,7 +1661,7 @@
     </p:spTree>
     <p:extLst>
       <p:ext uri="{BB962C8B-B14F-4D97-AF65-F5344CB8AC3E}">
-        <p14:creationId xmlns:p14="http://schemas.microsoft.com/office/powerpoint/2010/main" val="829569672"/>
+        <p14:creationId xmlns:p14="http://schemas.microsoft.com/office/powerpoint/2010/main" val="3933303895"/>
       </p:ext>
     </p:extLst>
   </p:cSld>
@@ -1726,7 +1726,7 @@
           <a:bodyPr/>
           <a:lstStyle/>
           <a:p>
-            <a:fld id="{4799E126-E8BE-4518-ABA2-F78AB8BC5445}" type="datetimeFigureOut">
+            <a:fld id="{838961FD-6B51-4F9E-B499-303D7BE927C7}" type="datetimeFigureOut">
               <a:rPr lang="en-US" smtClean="0"/>
               <a:t>1/14/2016</a:t>
             </a:fld>
@@ -1768,7 +1768,7 @@
           <a:bodyPr/>
           <a:lstStyle/>
           <a:p>
-            <a:fld id="{4A93980F-CD9E-4DC7-8F54-94B09859CDFF}" type="slidenum">
+            <a:fld id="{77D12FD6-1D81-4F6D-9F30-37ED7C6DC31C}" type="slidenum">
               <a:rPr lang="en-US" smtClean="0"/>
               <a:t>‹#›</a:t>
             </a:fld>
@@ -1779,7 +1779,7 @@
     </p:spTree>
     <p:extLst>
       <p:ext uri="{BB962C8B-B14F-4D97-AF65-F5344CB8AC3E}">
-        <p14:creationId xmlns:p14="http://schemas.microsoft.com/office/powerpoint/2010/main" val="2594126508"/>
+        <p14:creationId xmlns:p14="http://schemas.microsoft.com/office/powerpoint/2010/main" val="2640270344"/>
       </p:ext>
     </p:extLst>
   </p:cSld>
@@ -1821,7 +1821,7 @@
           <a:bodyPr/>
           <a:lstStyle/>
           <a:p>
-            <a:fld id="{4799E126-E8BE-4518-ABA2-F78AB8BC5445}" type="datetimeFigureOut">
+            <a:fld id="{838961FD-6B51-4F9E-B499-303D7BE927C7}" type="datetimeFigureOut">
               <a:rPr lang="en-US" smtClean="0"/>
               <a:t>1/14/2016</a:t>
             </a:fld>
@@ -1863,7 +1863,7 @@
           <a:bodyPr/>
           <a:lstStyle/>
           <a:p>
-            <a:fld id="{4A93980F-CD9E-4DC7-8F54-94B09859CDFF}" type="slidenum">
+            <a:fld id="{77D12FD6-1D81-4F6D-9F30-37ED7C6DC31C}" type="slidenum">
               <a:rPr lang="en-US" smtClean="0"/>
               <a:t>‹#›</a:t>
             </a:fld>
@@ -1874,7 +1874,7 @@
     </p:spTree>
     <p:extLst>
       <p:ext uri="{BB962C8B-B14F-4D97-AF65-F5344CB8AC3E}">
-        <p14:creationId xmlns:p14="http://schemas.microsoft.com/office/powerpoint/2010/main" val="151449250"/>
+        <p14:creationId xmlns:p14="http://schemas.microsoft.com/office/powerpoint/2010/main" val="437383312"/>
       </p:ext>
     </p:extLst>
   </p:cSld>
@@ -1984,7 +1984,7 @@
             <a:pPr lvl="0"/>
             <a:r>
               <a:rPr lang="en-US" smtClean="0"/>
-              <a:t>Click to edit Master text styles</a:t>
+              <a:t>Edit Master text styles</a:t>
             </a:r>
           </a:p>
           <a:p>
@@ -2078,7 +2078,7 @@
             <a:pPr lvl="0"/>
             <a:r>
               <a:rPr lang="en-US" smtClean="0"/>
-              <a:t>Click to edit Master text styles</a:t>
+              <a:t>Edit Master text styles</a:t>
             </a:r>
           </a:p>
         </p:txBody>
@@ -2098,7 +2098,7 @@
           <a:bodyPr/>
           <a:lstStyle/>
           <a:p>
-            <a:fld id="{4799E126-E8BE-4518-ABA2-F78AB8BC5445}" type="datetimeFigureOut">
+            <a:fld id="{838961FD-6B51-4F9E-B499-303D7BE927C7}" type="datetimeFigureOut">
               <a:rPr lang="en-US" smtClean="0"/>
               <a:t>1/14/2016</a:t>
             </a:fld>
@@ -2140,7 +2140,7 @@
           <a:bodyPr/>
           <a:lstStyle/>
           <a:p>
-            <a:fld id="{4A93980F-CD9E-4DC7-8F54-94B09859CDFF}" type="slidenum">
+            <a:fld id="{77D12FD6-1D81-4F6D-9F30-37ED7C6DC31C}" type="slidenum">
               <a:rPr lang="en-US" smtClean="0"/>
               <a:t>‹#›</a:t>
             </a:fld>
@@ -2151,7 +2151,7 @@
     </p:spTree>
     <p:extLst>
       <p:ext uri="{BB962C8B-B14F-4D97-AF65-F5344CB8AC3E}">
-        <p14:creationId xmlns:p14="http://schemas.microsoft.com/office/powerpoint/2010/main" val="217558184"/>
+        <p14:creationId xmlns:p14="http://schemas.microsoft.com/office/powerpoint/2010/main" val="3756761970"/>
       </p:ext>
     </p:extLst>
   </p:cSld>
@@ -2331,7 +2331,7 @@
             <a:pPr lvl="0"/>
             <a:r>
               <a:rPr lang="en-US" smtClean="0"/>
-              <a:t>Click to edit Master text styles</a:t>
+              <a:t>Edit Master text styles</a:t>
             </a:r>
           </a:p>
         </p:txBody>
@@ -2351,7 +2351,7 @@
           <a:bodyPr/>
           <a:lstStyle/>
           <a:p>
-            <a:fld id="{4799E126-E8BE-4518-ABA2-F78AB8BC5445}" type="datetimeFigureOut">
+            <a:fld id="{838961FD-6B51-4F9E-B499-303D7BE927C7}" type="datetimeFigureOut">
               <a:rPr lang="en-US" smtClean="0"/>
               <a:t>1/14/2016</a:t>
             </a:fld>
@@ -2393,7 +2393,7 @@
           <a:bodyPr/>
           <a:lstStyle/>
           <a:p>
-            <a:fld id="{4A93980F-CD9E-4DC7-8F54-94B09859CDFF}" type="slidenum">
+            <a:fld id="{77D12FD6-1D81-4F6D-9F30-37ED7C6DC31C}" type="slidenum">
               <a:rPr lang="en-US" smtClean="0"/>
               <a:t>‹#›</a:t>
             </a:fld>
@@ -2404,7 +2404,7 @@
     </p:spTree>
     <p:extLst>
       <p:ext uri="{BB962C8B-B14F-4D97-AF65-F5344CB8AC3E}">
-        <p14:creationId xmlns:p14="http://schemas.microsoft.com/office/powerpoint/2010/main" val="1543795668"/>
+        <p14:creationId xmlns:p14="http://schemas.microsoft.com/office/powerpoint/2010/main" val="955402667"/>
       </p:ext>
     </p:extLst>
   </p:cSld>
@@ -2497,7 +2497,7 @@
             <a:pPr lvl="0"/>
             <a:r>
               <a:rPr lang="en-US" smtClean="0"/>
-              <a:t>Click to edit Master text styles</a:t>
+              <a:t>Edit Master text styles</a:t>
             </a:r>
           </a:p>
           <a:p>
@@ -2564,7 +2564,7 @@
             </a:lvl1pPr>
           </a:lstStyle>
           <a:p>
-            <a:fld id="{4799E126-E8BE-4518-ABA2-F78AB8BC5445}" type="datetimeFigureOut">
+            <a:fld id="{838961FD-6B51-4F9E-B499-303D7BE927C7}" type="datetimeFigureOut">
               <a:rPr lang="en-US" smtClean="0"/>
               <a:t>1/14/2016</a:t>
             </a:fld>
@@ -2642,7 +2642,7 @@
             </a:lvl1pPr>
           </a:lstStyle>
           <a:p>
-            <a:fld id="{4A93980F-CD9E-4DC7-8F54-94B09859CDFF}" type="slidenum">
+            <a:fld id="{77D12FD6-1D81-4F6D-9F30-37ED7C6DC31C}" type="slidenum">
               <a:rPr lang="en-US" smtClean="0"/>
               <a:t>‹#›</a:t>
             </a:fld>
@@ -2653,7 +2653,7 @@
     </p:spTree>
     <p:extLst>
       <p:ext uri="{BB962C8B-B14F-4D97-AF65-F5344CB8AC3E}">
-        <p14:creationId xmlns:p14="http://schemas.microsoft.com/office/powerpoint/2010/main" val="1915751841"/>
+        <p14:creationId xmlns:p14="http://schemas.microsoft.com/office/powerpoint/2010/main" val="264540897"/>
       </p:ext>
     </p:extLst>
   </p:cSld>
@@ -3004,7 +3004,7 @@
     </p:spTree>
     <p:extLst>
       <p:ext uri="{BB962C8B-B14F-4D97-AF65-F5344CB8AC3E}">
-        <p14:creationId xmlns:p14="http://schemas.microsoft.com/office/powerpoint/2010/main" val="1896033109"/>
+        <p14:creationId xmlns:p14="http://schemas.microsoft.com/office/powerpoint/2010/main" val="3758363639"/>
       </p:ext>
     </p:extLst>
   </p:cSld>
@@ -3064,7 +3064,7 @@
     </p:spTree>
     <p:extLst>
       <p:ext uri="{BB962C8B-B14F-4D97-AF65-F5344CB8AC3E}">
-        <p14:creationId xmlns:p14="http://schemas.microsoft.com/office/powerpoint/2010/main" val="656728147"/>
+        <p14:creationId xmlns:p14="http://schemas.microsoft.com/office/powerpoint/2010/main" val="73226792"/>
       </p:ext>
     </p:extLst>
   </p:cSld>
@@ -3124,7 +3124,7 @@
     </p:spTree>
     <p:extLst>
       <p:ext uri="{BB962C8B-B14F-4D97-AF65-F5344CB8AC3E}">
-        <p14:creationId xmlns:p14="http://schemas.microsoft.com/office/powerpoint/2010/main" val="2598655953"/>
+        <p14:creationId xmlns:p14="http://schemas.microsoft.com/office/powerpoint/2010/main" val="876107031"/>
       </p:ext>
     </p:extLst>
   </p:cSld>
@@ -3184,7 +3184,7 @@
     </p:spTree>
     <p:extLst>
       <p:ext uri="{BB962C8B-B14F-4D97-AF65-F5344CB8AC3E}">
-        <p14:creationId xmlns:p14="http://schemas.microsoft.com/office/powerpoint/2010/main" val="3944835850"/>
+        <p14:creationId xmlns:p14="http://schemas.microsoft.com/office/powerpoint/2010/main" val="3662865764"/>
       </p:ext>
     </p:extLst>
   </p:cSld>
@@ -3244,7 +3244,7 @@
     </p:spTree>
     <p:extLst>
       <p:ext uri="{BB962C8B-B14F-4D97-AF65-F5344CB8AC3E}">
-        <p14:creationId xmlns:p14="http://schemas.microsoft.com/office/powerpoint/2010/main" val="3955708037"/>
+        <p14:creationId xmlns:p14="http://schemas.microsoft.com/office/powerpoint/2010/main" val="3380809732"/>
       </p:ext>
     </p:extLst>
   </p:cSld>
@@ -3304,7 +3304,7 @@
     </p:spTree>
     <p:extLst>
       <p:ext uri="{BB962C8B-B14F-4D97-AF65-F5344CB8AC3E}">
-        <p14:creationId xmlns:p14="http://schemas.microsoft.com/office/powerpoint/2010/main" val="549058671"/>
+        <p14:creationId xmlns:p14="http://schemas.microsoft.com/office/powerpoint/2010/main" val="3021326310"/>
       </p:ext>
     </p:extLst>
   </p:cSld>
@@ -3364,7 +3364,7 @@
     </p:spTree>
     <p:extLst>
       <p:ext uri="{BB962C8B-B14F-4D97-AF65-F5344CB8AC3E}">
-        <p14:creationId xmlns:p14="http://schemas.microsoft.com/office/powerpoint/2010/main" val="2020950760"/>
+        <p14:creationId xmlns:p14="http://schemas.microsoft.com/office/powerpoint/2010/main" val="2905293379"/>
       </p:ext>
     </p:extLst>
   </p:cSld>
@@ -3424,7 +3424,7 @@
     </p:spTree>
     <p:extLst>
       <p:ext uri="{BB962C8B-B14F-4D97-AF65-F5344CB8AC3E}">
-        <p14:creationId xmlns:p14="http://schemas.microsoft.com/office/powerpoint/2010/main" val="477038623"/>
+        <p14:creationId xmlns:p14="http://schemas.microsoft.com/office/powerpoint/2010/main" val="1635603532"/>
       </p:ext>
     </p:extLst>
   </p:cSld>
@@ -3480,9 +3480,9 @@
         <a:latin typeface="Calibri Light" panose="020F0302020204030204"/>
         <a:ea typeface=""/>
         <a:cs typeface=""/>
-        <a:font script="Jpan" typeface="ＭＳ Ｐゴシック"/>
+        <a:font script="Jpan" typeface="游ゴシック Light"/>
         <a:font script="Hang" typeface="맑은 고딕"/>
-        <a:font script="Hans" typeface="宋体"/>
+        <a:font script="Hans" typeface="等线 Light"/>
         <a:font script="Hant" typeface="新細明體"/>
         <a:font script="Arab" typeface="Times New Roman"/>
         <a:font script="Hebr" typeface="Times New Roman"/>
@@ -3515,9 +3515,9 @@
         <a:latin typeface="Calibri" panose="020F0502020204030204"/>
         <a:ea typeface=""/>
         <a:cs typeface=""/>
-        <a:font script="Jpan" typeface="ＭＳ Ｐゴシック"/>
+        <a:font script="Jpan" typeface="游ゴシック"/>
         <a:font script="Hang" typeface="맑은 고딕"/>
-        <a:font script="Hans" typeface="宋体"/>
+        <a:font script="Hans" typeface="等线"/>
         <a:font script="Hant" typeface="新細明體"/>
         <a:font script="Arab" typeface="Arial"/>
         <a:font script="Hebr" typeface="Arial"/>

--- a/Research/Imaging Worksheets/Misc/Hadamard Masks 1.pptx
+++ b/Research/Imaging Worksheets/Misc/Hadamard Masks 1.pptx
@@ -5,14 +5,15 @@
     <p:sldMasterId id="2147483648" r:id="rId1"/>
   </p:sldMasterIdLst>
   <p:sldIdLst>
-    <p:sldId id="263" r:id="rId2"/>
-    <p:sldId id="262" r:id="rId3"/>
-    <p:sldId id="261" r:id="rId4"/>
-    <p:sldId id="260" r:id="rId5"/>
-    <p:sldId id="259" r:id="rId6"/>
-    <p:sldId id="258" r:id="rId7"/>
-    <p:sldId id="257" r:id="rId8"/>
-    <p:sldId id="256" r:id="rId9"/>
+    <p:sldId id="264" r:id="rId2"/>
+    <p:sldId id="263" r:id="rId3"/>
+    <p:sldId id="262" r:id="rId4"/>
+    <p:sldId id="261" r:id="rId5"/>
+    <p:sldId id="260" r:id="rId6"/>
+    <p:sldId id="259" r:id="rId7"/>
+    <p:sldId id="258" r:id="rId8"/>
+    <p:sldId id="257" r:id="rId9"/>
+    <p:sldId id="256" r:id="rId10"/>
   </p:sldIdLst>
   <p:sldSz cx="12192000" cy="6858000"/>
   <p:notesSz cx="6858000" cy="9144000"/>
@@ -243,9 +244,9 @@
           <a:bodyPr/>
           <a:lstStyle/>
           <a:p>
-            <a:fld id="{838961FD-6B51-4F9E-B499-303D7BE927C7}" type="datetimeFigureOut">
-              <a:rPr lang="en-US" smtClean="0"/>
-              <a:t>1/14/2016</a:t>
+            <a:fld id="{5C1DE120-932B-480E-8A99-4D5F9A5FC933}" type="datetimeFigureOut">
+              <a:rPr lang="en-US" smtClean="0"/>
+              <a:t>1/18/2016</a:t>
             </a:fld>
             <a:endParaRPr lang="en-US"/>
           </a:p>
@@ -285,7 +286,7 @@
           <a:bodyPr/>
           <a:lstStyle/>
           <a:p>
-            <a:fld id="{77D12FD6-1D81-4F6D-9F30-37ED7C6DC31C}" type="slidenum">
+            <a:fld id="{DE388697-C5CB-4A4F-B652-B720F147080C}" type="slidenum">
               <a:rPr lang="en-US" smtClean="0"/>
               <a:t>‹#›</a:t>
             </a:fld>
@@ -296,7 +297,7 @@
     </p:spTree>
     <p:extLst>
       <p:ext uri="{BB962C8B-B14F-4D97-AF65-F5344CB8AC3E}">
-        <p14:creationId xmlns:p14="http://schemas.microsoft.com/office/powerpoint/2010/main" val="3080619086"/>
+        <p14:creationId xmlns:p14="http://schemas.microsoft.com/office/powerpoint/2010/main" val="3008944954"/>
       </p:ext>
     </p:extLst>
   </p:cSld>
@@ -364,7 +365,7 @@
             <a:pPr lvl="0"/>
             <a:r>
               <a:rPr lang="en-US" smtClean="0"/>
-              <a:t>Edit Master text styles</a:t>
+              <a:t>Click to edit Master text styles</a:t>
             </a:r>
           </a:p>
           <a:p>
@@ -413,9 +414,9 @@
           <a:bodyPr/>
           <a:lstStyle/>
           <a:p>
-            <a:fld id="{838961FD-6B51-4F9E-B499-303D7BE927C7}" type="datetimeFigureOut">
-              <a:rPr lang="en-US" smtClean="0"/>
-              <a:t>1/14/2016</a:t>
+            <a:fld id="{5C1DE120-932B-480E-8A99-4D5F9A5FC933}" type="datetimeFigureOut">
+              <a:rPr lang="en-US" smtClean="0"/>
+              <a:t>1/18/2016</a:t>
             </a:fld>
             <a:endParaRPr lang="en-US"/>
           </a:p>
@@ -455,7 +456,7 @@
           <a:bodyPr/>
           <a:lstStyle/>
           <a:p>
-            <a:fld id="{77D12FD6-1D81-4F6D-9F30-37ED7C6DC31C}" type="slidenum">
+            <a:fld id="{DE388697-C5CB-4A4F-B652-B720F147080C}" type="slidenum">
               <a:rPr lang="en-US" smtClean="0"/>
               <a:t>‹#›</a:t>
             </a:fld>
@@ -466,7 +467,7 @@
     </p:spTree>
     <p:extLst>
       <p:ext uri="{BB962C8B-B14F-4D97-AF65-F5344CB8AC3E}">
-        <p14:creationId xmlns:p14="http://schemas.microsoft.com/office/powerpoint/2010/main" val="16969734"/>
+        <p14:creationId xmlns:p14="http://schemas.microsoft.com/office/powerpoint/2010/main" val="2685732945"/>
       </p:ext>
     </p:extLst>
   </p:cSld>
@@ -544,7 +545,7 @@
             <a:pPr lvl="0"/>
             <a:r>
               <a:rPr lang="en-US" smtClean="0"/>
-              <a:t>Edit Master text styles</a:t>
+              <a:t>Click to edit Master text styles</a:t>
             </a:r>
           </a:p>
           <a:p>
@@ -593,9 +594,9 @@
           <a:bodyPr/>
           <a:lstStyle/>
           <a:p>
-            <a:fld id="{838961FD-6B51-4F9E-B499-303D7BE927C7}" type="datetimeFigureOut">
-              <a:rPr lang="en-US" smtClean="0"/>
-              <a:t>1/14/2016</a:t>
+            <a:fld id="{5C1DE120-932B-480E-8A99-4D5F9A5FC933}" type="datetimeFigureOut">
+              <a:rPr lang="en-US" smtClean="0"/>
+              <a:t>1/18/2016</a:t>
             </a:fld>
             <a:endParaRPr lang="en-US"/>
           </a:p>
@@ -635,7 +636,7 @@
           <a:bodyPr/>
           <a:lstStyle/>
           <a:p>
-            <a:fld id="{77D12FD6-1D81-4F6D-9F30-37ED7C6DC31C}" type="slidenum">
+            <a:fld id="{DE388697-C5CB-4A4F-B652-B720F147080C}" type="slidenum">
               <a:rPr lang="en-US" smtClean="0"/>
               <a:t>‹#›</a:t>
             </a:fld>
@@ -646,7 +647,7 @@
     </p:spTree>
     <p:extLst>
       <p:ext uri="{BB962C8B-B14F-4D97-AF65-F5344CB8AC3E}">
-        <p14:creationId xmlns:p14="http://schemas.microsoft.com/office/powerpoint/2010/main" val="4227959784"/>
+        <p14:creationId xmlns:p14="http://schemas.microsoft.com/office/powerpoint/2010/main" val="3723827322"/>
       </p:ext>
     </p:extLst>
   </p:cSld>
@@ -714,7 +715,7 @@
             <a:pPr lvl="0"/>
             <a:r>
               <a:rPr lang="en-US" smtClean="0"/>
-              <a:t>Edit Master text styles</a:t>
+              <a:t>Click to edit Master text styles</a:t>
             </a:r>
           </a:p>
           <a:p>
@@ -763,9 +764,9 @@
           <a:bodyPr/>
           <a:lstStyle/>
           <a:p>
-            <a:fld id="{838961FD-6B51-4F9E-B499-303D7BE927C7}" type="datetimeFigureOut">
-              <a:rPr lang="en-US" smtClean="0"/>
-              <a:t>1/14/2016</a:t>
+            <a:fld id="{5C1DE120-932B-480E-8A99-4D5F9A5FC933}" type="datetimeFigureOut">
+              <a:rPr lang="en-US" smtClean="0"/>
+              <a:t>1/18/2016</a:t>
             </a:fld>
             <a:endParaRPr lang="en-US"/>
           </a:p>
@@ -805,7 +806,7 @@
           <a:bodyPr/>
           <a:lstStyle/>
           <a:p>
-            <a:fld id="{77D12FD6-1D81-4F6D-9F30-37ED7C6DC31C}" type="slidenum">
+            <a:fld id="{DE388697-C5CB-4A4F-B652-B720F147080C}" type="slidenum">
               <a:rPr lang="en-US" smtClean="0"/>
               <a:t>‹#›</a:t>
             </a:fld>
@@ -816,7 +817,7 @@
     </p:spTree>
     <p:extLst>
       <p:ext uri="{BB962C8B-B14F-4D97-AF65-F5344CB8AC3E}">
-        <p14:creationId xmlns:p14="http://schemas.microsoft.com/office/powerpoint/2010/main" val="3260183964"/>
+        <p14:creationId xmlns:p14="http://schemas.microsoft.com/office/powerpoint/2010/main" val="1349548883"/>
       </p:ext>
     </p:extLst>
   </p:cSld>
@@ -989,7 +990,7 @@
             <a:pPr lvl="0"/>
             <a:r>
               <a:rPr lang="en-US" smtClean="0"/>
-              <a:t>Edit Master text styles</a:t>
+              <a:t>Click to edit Master text styles</a:t>
             </a:r>
           </a:p>
         </p:txBody>
@@ -1009,9 +1010,9 @@
           <a:bodyPr/>
           <a:lstStyle/>
           <a:p>
-            <a:fld id="{838961FD-6B51-4F9E-B499-303D7BE927C7}" type="datetimeFigureOut">
-              <a:rPr lang="en-US" smtClean="0"/>
-              <a:t>1/14/2016</a:t>
+            <a:fld id="{5C1DE120-932B-480E-8A99-4D5F9A5FC933}" type="datetimeFigureOut">
+              <a:rPr lang="en-US" smtClean="0"/>
+              <a:t>1/18/2016</a:t>
             </a:fld>
             <a:endParaRPr lang="en-US"/>
           </a:p>
@@ -1051,7 +1052,7 @@
           <a:bodyPr/>
           <a:lstStyle/>
           <a:p>
-            <a:fld id="{77D12FD6-1D81-4F6D-9F30-37ED7C6DC31C}" type="slidenum">
+            <a:fld id="{DE388697-C5CB-4A4F-B652-B720F147080C}" type="slidenum">
               <a:rPr lang="en-US" smtClean="0"/>
               <a:t>‹#›</a:t>
             </a:fld>
@@ -1062,7 +1063,7 @@
     </p:spTree>
     <p:extLst>
       <p:ext uri="{BB962C8B-B14F-4D97-AF65-F5344CB8AC3E}">
-        <p14:creationId xmlns:p14="http://schemas.microsoft.com/office/powerpoint/2010/main" val="670291190"/>
+        <p14:creationId xmlns:p14="http://schemas.microsoft.com/office/powerpoint/2010/main" val="2733037532"/>
       </p:ext>
     </p:extLst>
   </p:cSld>
@@ -1135,7 +1136,7 @@
             <a:pPr lvl="0"/>
             <a:r>
               <a:rPr lang="en-US" smtClean="0"/>
-              <a:t>Edit Master text styles</a:t>
+              <a:t>Click to edit Master text styles</a:t>
             </a:r>
           </a:p>
           <a:p>
@@ -1192,7 +1193,7 @@
             <a:pPr lvl="0"/>
             <a:r>
               <a:rPr lang="en-US" smtClean="0"/>
-              <a:t>Edit Master text styles</a:t>
+              <a:t>Click to edit Master text styles</a:t>
             </a:r>
           </a:p>
           <a:p>
@@ -1241,9 +1242,9 @@
           <a:bodyPr/>
           <a:lstStyle/>
           <a:p>
-            <a:fld id="{838961FD-6B51-4F9E-B499-303D7BE927C7}" type="datetimeFigureOut">
-              <a:rPr lang="en-US" smtClean="0"/>
-              <a:t>1/14/2016</a:t>
+            <a:fld id="{5C1DE120-932B-480E-8A99-4D5F9A5FC933}" type="datetimeFigureOut">
+              <a:rPr lang="en-US" smtClean="0"/>
+              <a:t>1/18/2016</a:t>
             </a:fld>
             <a:endParaRPr lang="en-US"/>
           </a:p>
@@ -1283,7 +1284,7 @@
           <a:bodyPr/>
           <a:lstStyle/>
           <a:p>
-            <a:fld id="{77D12FD6-1D81-4F6D-9F30-37ED7C6DC31C}" type="slidenum">
+            <a:fld id="{DE388697-C5CB-4A4F-B652-B720F147080C}" type="slidenum">
               <a:rPr lang="en-US" smtClean="0"/>
               <a:t>‹#›</a:t>
             </a:fld>
@@ -1294,7 +1295,7 @@
     </p:spTree>
     <p:extLst>
       <p:ext uri="{BB962C8B-B14F-4D97-AF65-F5344CB8AC3E}">
-        <p14:creationId xmlns:p14="http://schemas.microsoft.com/office/powerpoint/2010/main" val="725642565"/>
+        <p14:creationId xmlns:p14="http://schemas.microsoft.com/office/powerpoint/2010/main" val="1015558364"/>
       </p:ext>
     </p:extLst>
   </p:cSld>
@@ -1409,7 +1410,7 @@
             <a:pPr lvl="0"/>
             <a:r>
               <a:rPr lang="en-US" smtClean="0"/>
-              <a:t>Edit Master text styles</a:t>
+              <a:t>Click to edit Master text styles</a:t>
             </a:r>
           </a:p>
         </p:txBody>
@@ -1437,7 +1438,7 @@
             <a:pPr lvl="0"/>
             <a:r>
               <a:rPr lang="en-US" smtClean="0"/>
-              <a:t>Edit Master text styles</a:t>
+              <a:t>Click to edit Master text styles</a:t>
             </a:r>
           </a:p>
           <a:p>
@@ -1531,7 +1532,7 @@
             <a:pPr lvl="0"/>
             <a:r>
               <a:rPr lang="en-US" smtClean="0"/>
-              <a:t>Edit Master text styles</a:t>
+              <a:t>Click to edit Master text styles</a:t>
             </a:r>
           </a:p>
         </p:txBody>
@@ -1559,7 +1560,7 @@
             <a:pPr lvl="0"/>
             <a:r>
               <a:rPr lang="en-US" smtClean="0"/>
-              <a:t>Edit Master text styles</a:t>
+              <a:t>Click to edit Master text styles</a:t>
             </a:r>
           </a:p>
           <a:p>
@@ -1608,9 +1609,9 @@
           <a:bodyPr/>
           <a:lstStyle/>
           <a:p>
-            <a:fld id="{838961FD-6B51-4F9E-B499-303D7BE927C7}" type="datetimeFigureOut">
-              <a:rPr lang="en-US" smtClean="0"/>
-              <a:t>1/14/2016</a:t>
+            <a:fld id="{5C1DE120-932B-480E-8A99-4D5F9A5FC933}" type="datetimeFigureOut">
+              <a:rPr lang="en-US" smtClean="0"/>
+              <a:t>1/18/2016</a:t>
             </a:fld>
             <a:endParaRPr lang="en-US"/>
           </a:p>
@@ -1650,7 +1651,7 @@
           <a:bodyPr/>
           <a:lstStyle/>
           <a:p>
-            <a:fld id="{77D12FD6-1D81-4F6D-9F30-37ED7C6DC31C}" type="slidenum">
+            <a:fld id="{DE388697-C5CB-4A4F-B652-B720F147080C}" type="slidenum">
               <a:rPr lang="en-US" smtClean="0"/>
               <a:t>‹#›</a:t>
             </a:fld>
@@ -1661,7 +1662,7 @@
     </p:spTree>
     <p:extLst>
       <p:ext uri="{BB962C8B-B14F-4D97-AF65-F5344CB8AC3E}">
-        <p14:creationId xmlns:p14="http://schemas.microsoft.com/office/powerpoint/2010/main" val="3933303895"/>
+        <p14:creationId xmlns:p14="http://schemas.microsoft.com/office/powerpoint/2010/main" val="4236851516"/>
       </p:ext>
     </p:extLst>
   </p:cSld>
@@ -1726,9 +1727,9 @@
           <a:bodyPr/>
           <a:lstStyle/>
           <a:p>
-            <a:fld id="{838961FD-6B51-4F9E-B499-303D7BE927C7}" type="datetimeFigureOut">
-              <a:rPr lang="en-US" smtClean="0"/>
-              <a:t>1/14/2016</a:t>
+            <a:fld id="{5C1DE120-932B-480E-8A99-4D5F9A5FC933}" type="datetimeFigureOut">
+              <a:rPr lang="en-US" smtClean="0"/>
+              <a:t>1/18/2016</a:t>
             </a:fld>
             <a:endParaRPr lang="en-US"/>
           </a:p>
@@ -1768,7 +1769,7 @@
           <a:bodyPr/>
           <a:lstStyle/>
           <a:p>
-            <a:fld id="{77D12FD6-1D81-4F6D-9F30-37ED7C6DC31C}" type="slidenum">
+            <a:fld id="{DE388697-C5CB-4A4F-B652-B720F147080C}" type="slidenum">
               <a:rPr lang="en-US" smtClean="0"/>
               <a:t>‹#›</a:t>
             </a:fld>
@@ -1779,7 +1780,7 @@
     </p:spTree>
     <p:extLst>
       <p:ext uri="{BB962C8B-B14F-4D97-AF65-F5344CB8AC3E}">
-        <p14:creationId xmlns:p14="http://schemas.microsoft.com/office/powerpoint/2010/main" val="2640270344"/>
+        <p14:creationId xmlns:p14="http://schemas.microsoft.com/office/powerpoint/2010/main" val="2429574486"/>
       </p:ext>
     </p:extLst>
   </p:cSld>
@@ -1821,9 +1822,9 @@
           <a:bodyPr/>
           <a:lstStyle/>
           <a:p>
-            <a:fld id="{838961FD-6B51-4F9E-B499-303D7BE927C7}" type="datetimeFigureOut">
-              <a:rPr lang="en-US" smtClean="0"/>
-              <a:t>1/14/2016</a:t>
+            <a:fld id="{5C1DE120-932B-480E-8A99-4D5F9A5FC933}" type="datetimeFigureOut">
+              <a:rPr lang="en-US" smtClean="0"/>
+              <a:t>1/18/2016</a:t>
             </a:fld>
             <a:endParaRPr lang="en-US"/>
           </a:p>
@@ -1863,7 +1864,7 @@
           <a:bodyPr/>
           <a:lstStyle/>
           <a:p>
-            <a:fld id="{77D12FD6-1D81-4F6D-9F30-37ED7C6DC31C}" type="slidenum">
+            <a:fld id="{DE388697-C5CB-4A4F-B652-B720F147080C}" type="slidenum">
               <a:rPr lang="en-US" smtClean="0"/>
               <a:t>‹#›</a:t>
             </a:fld>
@@ -1874,7 +1875,7 @@
     </p:spTree>
     <p:extLst>
       <p:ext uri="{BB962C8B-B14F-4D97-AF65-F5344CB8AC3E}">
-        <p14:creationId xmlns:p14="http://schemas.microsoft.com/office/powerpoint/2010/main" val="437383312"/>
+        <p14:creationId xmlns:p14="http://schemas.microsoft.com/office/powerpoint/2010/main" val="200166196"/>
       </p:ext>
     </p:extLst>
   </p:cSld>
@@ -1984,7 +1985,7 @@
             <a:pPr lvl="0"/>
             <a:r>
               <a:rPr lang="en-US" smtClean="0"/>
-              <a:t>Edit Master text styles</a:t>
+              <a:t>Click to edit Master text styles</a:t>
             </a:r>
           </a:p>
           <a:p>
@@ -2078,7 +2079,7 @@
             <a:pPr lvl="0"/>
             <a:r>
               <a:rPr lang="en-US" smtClean="0"/>
-              <a:t>Edit Master text styles</a:t>
+              <a:t>Click to edit Master text styles</a:t>
             </a:r>
           </a:p>
         </p:txBody>
@@ -2098,9 +2099,9 @@
           <a:bodyPr/>
           <a:lstStyle/>
           <a:p>
-            <a:fld id="{838961FD-6B51-4F9E-B499-303D7BE927C7}" type="datetimeFigureOut">
-              <a:rPr lang="en-US" smtClean="0"/>
-              <a:t>1/14/2016</a:t>
+            <a:fld id="{5C1DE120-932B-480E-8A99-4D5F9A5FC933}" type="datetimeFigureOut">
+              <a:rPr lang="en-US" smtClean="0"/>
+              <a:t>1/18/2016</a:t>
             </a:fld>
             <a:endParaRPr lang="en-US"/>
           </a:p>
@@ -2140,7 +2141,7 @@
           <a:bodyPr/>
           <a:lstStyle/>
           <a:p>
-            <a:fld id="{77D12FD6-1D81-4F6D-9F30-37ED7C6DC31C}" type="slidenum">
+            <a:fld id="{DE388697-C5CB-4A4F-B652-B720F147080C}" type="slidenum">
               <a:rPr lang="en-US" smtClean="0"/>
               <a:t>‹#›</a:t>
             </a:fld>
@@ -2151,7 +2152,7 @@
     </p:spTree>
     <p:extLst>
       <p:ext uri="{BB962C8B-B14F-4D97-AF65-F5344CB8AC3E}">
-        <p14:creationId xmlns:p14="http://schemas.microsoft.com/office/powerpoint/2010/main" val="3756761970"/>
+        <p14:creationId xmlns:p14="http://schemas.microsoft.com/office/powerpoint/2010/main" val="2292937374"/>
       </p:ext>
     </p:extLst>
   </p:cSld>
@@ -2331,7 +2332,7 @@
             <a:pPr lvl="0"/>
             <a:r>
               <a:rPr lang="en-US" smtClean="0"/>
-              <a:t>Edit Master text styles</a:t>
+              <a:t>Click to edit Master text styles</a:t>
             </a:r>
           </a:p>
         </p:txBody>
@@ -2351,9 +2352,9 @@
           <a:bodyPr/>
           <a:lstStyle/>
           <a:p>
-            <a:fld id="{838961FD-6B51-4F9E-B499-303D7BE927C7}" type="datetimeFigureOut">
-              <a:rPr lang="en-US" smtClean="0"/>
-              <a:t>1/14/2016</a:t>
+            <a:fld id="{5C1DE120-932B-480E-8A99-4D5F9A5FC933}" type="datetimeFigureOut">
+              <a:rPr lang="en-US" smtClean="0"/>
+              <a:t>1/18/2016</a:t>
             </a:fld>
             <a:endParaRPr lang="en-US"/>
           </a:p>
@@ -2393,7 +2394,7 @@
           <a:bodyPr/>
           <a:lstStyle/>
           <a:p>
-            <a:fld id="{77D12FD6-1D81-4F6D-9F30-37ED7C6DC31C}" type="slidenum">
+            <a:fld id="{DE388697-C5CB-4A4F-B652-B720F147080C}" type="slidenum">
               <a:rPr lang="en-US" smtClean="0"/>
               <a:t>‹#›</a:t>
             </a:fld>
@@ -2404,7 +2405,7 @@
     </p:spTree>
     <p:extLst>
       <p:ext uri="{BB962C8B-B14F-4D97-AF65-F5344CB8AC3E}">
-        <p14:creationId xmlns:p14="http://schemas.microsoft.com/office/powerpoint/2010/main" val="955402667"/>
+        <p14:creationId xmlns:p14="http://schemas.microsoft.com/office/powerpoint/2010/main" val="2628345462"/>
       </p:ext>
     </p:extLst>
   </p:cSld>
@@ -2497,7 +2498,7 @@
             <a:pPr lvl="0"/>
             <a:r>
               <a:rPr lang="en-US" smtClean="0"/>
-              <a:t>Edit Master text styles</a:t>
+              <a:t>Click to edit Master text styles</a:t>
             </a:r>
           </a:p>
           <a:p>
@@ -2564,9 +2565,9 @@
             </a:lvl1pPr>
           </a:lstStyle>
           <a:p>
-            <a:fld id="{838961FD-6B51-4F9E-B499-303D7BE927C7}" type="datetimeFigureOut">
-              <a:rPr lang="en-US" smtClean="0"/>
-              <a:t>1/14/2016</a:t>
+            <a:fld id="{5C1DE120-932B-480E-8A99-4D5F9A5FC933}" type="datetimeFigureOut">
+              <a:rPr lang="en-US" smtClean="0"/>
+              <a:t>1/18/2016</a:t>
             </a:fld>
             <a:endParaRPr lang="en-US"/>
           </a:p>
@@ -2642,7 +2643,7 @@
             </a:lvl1pPr>
           </a:lstStyle>
           <a:p>
-            <a:fld id="{77D12FD6-1D81-4F6D-9F30-37ED7C6DC31C}" type="slidenum">
+            <a:fld id="{DE388697-C5CB-4A4F-B652-B720F147080C}" type="slidenum">
               <a:rPr lang="en-US" smtClean="0"/>
               <a:t>‹#›</a:t>
             </a:fld>
@@ -2653,7 +2654,7 @@
     </p:spTree>
     <p:extLst>
       <p:ext uri="{BB962C8B-B14F-4D97-AF65-F5344CB8AC3E}">
-        <p14:creationId xmlns:p14="http://schemas.microsoft.com/office/powerpoint/2010/main" val="264540897"/>
+        <p14:creationId xmlns:p14="http://schemas.microsoft.com/office/powerpoint/2010/main" val="2521550763"/>
       </p:ext>
     </p:extLst>
   </p:cSld>
@@ -2971,40 +2972,10 @@
           <a:chExt cx="0" cy="0"/>
         </a:xfrm>
       </p:grpSpPr>
-      <p:pic>
-        <p:nvPicPr>
-          <p:cNvPr id="2" name="Picture 1"/>
-          <p:cNvPicPr>
-            <a:picLocks noChangeAspect="1"/>
-          </p:cNvPicPr>
-          <p:nvPr/>
-        </p:nvPicPr>
-        <p:blipFill>
-          <a:blip r:embed="rId3">
-            <a:extLst>
-              <a:ext uri="{28A0092B-C50C-407E-A947-70E740481C1C}">
-                <a14:useLocalDpi xmlns:a14="http://schemas.microsoft.com/office/drawing/2010/main" val="0"/>
-              </a:ext>
-            </a:extLst>
-          </a:blip>
-          <a:stretch>
-            <a:fillRect/>
-          </a:stretch>
-        </p:blipFill>
-        <p:spPr>
-          <a:xfrm>
-            <a:off x="2540000" y="0"/>
-            <a:ext cx="6858000" cy="6858000"/>
-          </a:xfrm>
-          <a:prstGeom prst="rect">
-            <a:avLst/>
-          </a:prstGeom>
-        </p:spPr>
-      </p:pic>
     </p:spTree>
     <p:extLst>
       <p:ext uri="{BB962C8B-B14F-4D97-AF65-F5344CB8AC3E}">
-        <p14:creationId xmlns:p14="http://schemas.microsoft.com/office/powerpoint/2010/main" val="3758363639"/>
+        <p14:creationId xmlns:p14="http://schemas.microsoft.com/office/powerpoint/2010/main" val="2114306035"/>
       </p:ext>
     </p:extLst>
   </p:cSld>
@@ -3035,7 +3006,7 @@
         <p:nvPicPr>
           <p:cNvPr id="2" name="Picture 1"/>
           <p:cNvPicPr>
-            <a:picLocks noChangeAspect="1"/>
+            <a:picLocks/>
           </p:cNvPicPr>
           <p:nvPr/>
         </p:nvPicPr>
@@ -3053,8 +3024,8 @@
         </p:blipFill>
         <p:spPr>
           <a:xfrm>
-            <a:off x="2540000" y="0"/>
-            <a:ext cx="6858000" cy="6858000"/>
+            <a:off x="3810000" y="1270000"/>
+            <a:ext cx="4445000" cy="4445000"/>
           </a:xfrm>
           <a:prstGeom prst="rect">
             <a:avLst/>
@@ -3064,7 +3035,7 @@
     </p:spTree>
     <p:extLst>
       <p:ext uri="{BB962C8B-B14F-4D97-AF65-F5344CB8AC3E}">
-        <p14:creationId xmlns:p14="http://schemas.microsoft.com/office/powerpoint/2010/main" val="73226792"/>
+        <p14:creationId xmlns:p14="http://schemas.microsoft.com/office/powerpoint/2010/main" val="1881470461"/>
       </p:ext>
     </p:extLst>
   </p:cSld>
@@ -3095,7 +3066,7 @@
         <p:nvPicPr>
           <p:cNvPr id="2" name="Picture 1"/>
           <p:cNvPicPr>
-            <a:picLocks noChangeAspect="1"/>
+            <a:picLocks/>
           </p:cNvPicPr>
           <p:nvPr/>
         </p:nvPicPr>
@@ -3113,8 +3084,8 @@
         </p:blipFill>
         <p:spPr>
           <a:xfrm>
-            <a:off x="2540000" y="0"/>
-            <a:ext cx="6858000" cy="6858000"/>
+            <a:off x="3810000" y="1270000"/>
+            <a:ext cx="4445000" cy="4445000"/>
           </a:xfrm>
           <a:prstGeom prst="rect">
             <a:avLst/>
@@ -3124,7 +3095,7 @@
     </p:spTree>
     <p:extLst>
       <p:ext uri="{BB962C8B-B14F-4D97-AF65-F5344CB8AC3E}">
-        <p14:creationId xmlns:p14="http://schemas.microsoft.com/office/powerpoint/2010/main" val="876107031"/>
+        <p14:creationId xmlns:p14="http://schemas.microsoft.com/office/powerpoint/2010/main" val="776396062"/>
       </p:ext>
     </p:extLst>
   </p:cSld>
@@ -3155,7 +3126,7 @@
         <p:nvPicPr>
           <p:cNvPr id="2" name="Picture 1"/>
           <p:cNvPicPr>
-            <a:picLocks noChangeAspect="1"/>
+            <a:picLocks/>
           </p:cNvPicPr>
           <p:nvPr/>
         </p:nvPicPr>
@@ -3173,8 +3144,8 @@
         </p:blipFill>
         <p:spPr>
           <a:xfrm>
-            <a:off x="2540000" y="0"/>
-            <a:ext cx="6858000" cy="6858000"/>
+            <a:off x="3810000" y="1270000"/>
+            <a:ext cx="4445000" cy="4445000"/>
           </a:xfrm>
           <a:prstGeom prst="rect">
             <a:avLst/>
@@ -3184,7 +3155,7 @@
     </p:spTree>
     <p:extLst>
       <p:ext uri="{BB962C8B-B14F-4D97-AF65-F5344CB8AC3E}">
-        <p14:creationId xmlns:p14="http://schemas.microsoft.com/office/powerpoint/2010/main" val="3662865764"/>
+        <p14:creationId xmlns:p14="http://schemas.microsoft.com/office/powerpoint/2010/main" val="941146629"/>
       </p:ext>
     </p:extLst>
   </p:cSld>
@@ -3215,7 +3186,7 @@
         <p:nvPicPr>
           <p:cNvPr id="2" name="Picture 1"/>
           <p:cNvPicPr>
-            <a:picLocks noChangeAspect="1"/>
+            <a:picLocks/>
           </p:cNvPicPr>
           <p:nvPr/>
         </p:nvPicPr>
@@ -3233,8 +3204,8 @@
         </p:blipFill>
         <p:spPr>
           <a:xfrm>
-            <a:off x="2540000" y="0"/>
-            <a:ext cx="6858000" cy="6858000"/>
+            <a:off x="3810000" y="1270000"/>
+            <a:ext cx="4445000" cy="4445000"/>
           </a:xfrm>
           <a:prstGeom prst="rect">
             <a:avLst/>
@@ -3244,7 +3215,7 @@
     </p:spTree>
     <p:extLst>
       <p:ext uri="{BB962C8B-B14F-4D97-AF65-F5344CB8AC3E}">
-        <p14:creationId xmlns:p14="http://schemas.microsoft.com/office/powerpoint/2010/main" val="3380809732"/>
+        <p14:creationId xmlns:p14="http://schemas.microsoft.com/office/powerpoint/2010/main" val="3586620790"/>
       </p:ext>
     </p:extLst>
   </p:cSld>
@@ -3275,7 +3246,7 @@
         <p:nvPicPr>
           <p:cNvPr id="2" name="Picture 1"/>
           <p:cNvPicPr>
-            <a:picLocks noChangeAspect="1"/>
+            <a:picLocks/>
           </p:cNvPicPr>
           <p:nvPr/>
         </p:nvPicPr>
@@ -3293,8 +3264,8 @@
         </p:blipFill>
         <p:spPr>
           <a:xfrm>
-            <a:off x="2540000" y="0"/>
-            <a:ext cx="6858000" cy="6858000"/>
+            <a:off x="3810000" y="1270000"/>
+            <a:ext cx="4445000" cy="4445000"/>
           </a:xfrm>
           <a:prstGeom prst="rect">
             <a:avLst/>
@@ -3304,7 +3275,7 @@
     </p:spTree>
     <p:extLst>
       <p:ext uri="{BB962C8B-B14F-4D97-AF65-F5344CB8AC3E}">
-        <p14:creationId xmlns:p14="http://schemas.microsoft.com/office/powerpoint/2010/main" val="3021326310"/>
+        <p14:creationId xmlns:p14="http://schemas.microsoft.com/office/powerpoint/2010/main" val="786769497"/>
       </p:ext>
     </p:extLst>
   </p:cSld>
@@ -3335,7 +3306,7 @@
         <p:nvPicPr>
           <p:cNvPr id="2" name="Picture 1"/>
           <p:cNvPicPr>
-            <a:picLocks noChangeAspect="1"/>
+            <a:picLocks/>
           </p:cNvPicPr>
           <p:nvPr/>
         </p:nvPicPr>
@@ -3353,8 +3324,8 @@
         </p:blipFill>
         <p:spPr>
           <a:xfrm>
-            <a:off x="2540000" y="0"/>
-            <a:ext cx="6858000" cy="6858000"/>
+            <a:off x="3810000" y="1270000"/>
+            <a:ext cx="4445000" cy="4445000"/>
           </a:xfrm>
           <a:prstGeom prst="rect">
             <a:avLst/>
@@ -3364,7 +3335,7 @@
     </p:spTree>
     <p:extLst>
       <p:ext uri="{BB962C8B-B14F-4D97-AF65-F5344CB8AC3E}">
-        <p14:creationId xmlns:p14="http://schemas.microsoft.com/office/powerpoint/2010/main" val="2905293379"/>
+        <p14:creationId xmlns:p14="http://schemas.microsoft.com/office/powerpoint/2010/main" val="869400421"/>
       </p:ext>
     </p:extLst>
   </p:cSld>
@@ -3395,7 +3366,7 @@
         <p:nvPicPr>
           <p:cNvPr id="2" name="Picture 1"/>
           <p:cNvPicPr>
-            <a:picLocks noChangeAspect="1"/>
+            <a:picLocks/>
           </p:cNvPicPr>
           <p:nvPr/>
         </p:nvPicPr>
@@ -3413,8 +3384,8 @@
         </p:blipFill>
         <p:spPr>
           <a:xfrm>
-            <a:off x="2540000" y="0"/>
-            <a:ext cx="6858000" cy="6858000"/>
+            <a:off x="3810000" y="1270000"/>
+            <a:ext cx="4445000" cy="4445000"/>
           </a:xfrm>
           <a:prstGeom prst="rect">
             <a:avLst/>
@@ -3424,7 +3395,67 @@
     </p:spTree>
     <p:extLst>
       <p:ext uri="{BB962C8B-B14F-4D97-AF65-F5344CB8AC3E}">
-        <p14:creationId xmlns:p14="http://schemas.microsoft.com/office/powerpoint/2010/main" val="1635603532"/>
+        <p14:creationId xmlns:p14="http://schemas.microsoft.com/office/powerpoint/2010/main" val="37946622"/>
+      </p:ext>
+    </p:extLst>
+  </p:cSld>
+  <p:clrMapOvr>
+    <a:overrideClrMapping bg1="lt1" tx1="dk1" bg2="lt2" tx2="dk2" accent1="accent1" accent2="accent2" accent3="accent3" accent4="accent4" accent5="accent5" accent6="accent6" hlink="hlink" folHlink="folHlink"/>
+  </p:clrMapOvr>
+</p:sld>
+</file>
+
+<file path=ppt/slides/slide9.xml><?xml version="1.0" encoding="utf-8"?>
+<p:sld xmlns:a="http://schemas.openxmlformats.org/drawingml/2006/main" xmlns:r="http://schemas.openxmlformats.org/officeDocument/2006/relationships" xmlns:p="http://schemas.openxmlformats.org/presentationml/2006/main">
+  <p:cSld>
+    <p:spTree>
+      <p:nvGrpSpPr>
+        <p:cNvPr id="1" name=""/>
+        <p:cNvGrpSpPr/>
+        <p:nvPr/>
+      </p:nvGrpSpPr>
+      <p:grpSpPr>
+        <a:xfrm>
+          <a:off x="0" y="0"/>
+          <a:ext cx="0" cy="0"/>
+          <a:chOff x="0" y="0"/>
+          <a:chExt cx="0" cy="0"/>
+        </a:xfrm>
+      </p:grpSpPr>
+      <p:pic>
+        <p:nvPicPr>
+          <p:cNvPr id="2" name="Picture 1"/>
+          <p:cNvPicPr>
+            <a:picLocks/>
+          </p:cNvPicPr>
+          <p:nvPr/>
+        </p:nvPicPr>
+        <p:blipFill>
+          <a:blip r:embed="rId3">
+            <a:extLst>
+              <a:ext uri="{28A0092B-C50C-407E-A947-70E740481C1C}">
+                <a14:useLocalDpi xmlns:a14="http://schemas.microsoft.com/office/drawing/2010/main" val="0"/>
+              </a:ext>
+            </a:extLst>
+          </a:blip>
+          <a:stretch>
+            <a:fillRect/>
+          </a:stretch>
+        </p:blipFill>
+        <p:spPr>
+          <a:xfrm>
+            <a:off x="3810000" y="1270000"/>
+            <a:ext cx="4445000" cy="4445000"/>
+          </a:xfrm>
+          <a:prstGeom prst="rect">
+            <a:avLst/>
+          </a:prstGeom>
+        </p:spPr>
+      </p:pic>
+    </p:spTree>
+    <p:extLst>
+      <p:ext uri="{BB962C8B-B14F-4D97-AF65-F5344CB8AC3E}">
+        <p14:creationId xmlns:p14="http://schemas.microsoft.com/office/powerpoint/2010/main" val="1996035181"/>
       </p:ext>
     </p:extLst>
   </p:cSld>
@@ -3480,9 +3511,9 @@
         <a:latin typeface="Calibri Light" panose="020F0302020204030204"/>
         <a:ea typeface=""/>
         <a:cs typeface=""/>
-        <a:font script="Jpan" typeface="游ゴシック Light"/>
+        <a:font script="Jpan" typeface="ＭＳ Ｐゴシック"/>
         <a:font script="Hang" typeface="맑은 고딕"/>
-        <a:font script="Hans" typeface="等线 Light"/>
+        <a:font script="Hans" typeface="宋体"/>
         <a:font script="Hant" typeface="新細明體"/>
         <a:font script="Arab" typeface="Times New Roman"/>
         <a:font script="Hebr" typeface="Times New Roman"/>
@@ -3515,9 +3546,9 @@
         <a:latin typeface="Calibri" panose="020F0502020204030204"/>
         <a:ea typeface=""/>
         <a:cs typeface=""/>
-        <a:font script="Jpan" typeface="游ゴシック"/>
+        <a:font script="Jpan" typeface="ＭＳ Ｐゴシック"/>
         <a:font script="Hang" typeface="맑은 고딕"/>
-        <a:font script="Hans" typeface="等线"/>
+        <a:font script="Hans" typeface="宋体"/>
         <a:font script="Hant" typeface="新細明體"/>
         <a:font script="Arab" typeface="Arial"/>
         <a:font script="Hebr" typeface="Arial"/>
@@ -4037,4 +4068,47 @@
     </a:folHlink>
   </a:clrScheme>
 </a:themeOverride>
+</file>
+
+<file path=ppt/theme/themeOverride9.xml><?xml version="1.0" encoding="utf-8"?>
+<a:themeOverride xmlns:a="http://schemas.openxmlformats.org/drawingml/2006/main">
+  <a:clrScheme name="Office">
+    <a:dk1>
+      <a:srgbClr val="000000"/>
+    </a:dk1>
+    <a:lt1>
+      <a:srgbClr val="000000"/>
+    </a:lt1>
+    <a:dk2>
+      <a:srgbClr val="44546A"/>
+    </a:dk2>
+    <a:lt2>
+      <a:srgbClr val="E7E6E6"/>
+    </a:lt2>
+    <a:accent1>
+      <a:srgbClr val="5B9BD5"/>
+    </a:accent1>
+    <a:accent2>
+      <a:srgbClr val="ED7D31"/>
+    </a:accent2>
+    <a:accent3>
+      <a:srgbClr val="A5A5A5"/>
+    </a:accent3>
+    <a:accent4>
+      <a:srgbClr val="FFC000"/>
+    </a:accent4>
+    <a:accent5>
+      <a:srgbClr val="4472C4"/>
+    </a:accent5>
+    <a:accent6>
+      <a:srgbClr val="70AD47"/>
+    </a:accent6>
+    <a:hlink>
+      <a:srgbClr val="0563C1"/>
+    </a:hlink>
+    <a:folHlink>
+      <a:srgbClr val="954F72"/>
+    </a:folHlink>
+  </a:clrScheme>
+</a:themeOverride>
 </file>